--- a/IIIDEAaaS/環境構築.pptx
+++ b/IIIDEAaaS/環境構築.pptx
@@ -216,7 +216,7 @@
           <a:p>
             <a:fld id="{885EFEAC-8D59-453B-A3B6-0D568FD1D6DA}" type="datetimeFigureOut">
               <a:rPr kumimoji="1" lang="ja-JP" altLang="en-US" smtClean="0"/>
-              <a:t>2020/12/27</a:t>
+              <a:t>2021/1/4</a:t>
             </a:fld>
             <a:endParaRPr kumimoji="1" lang="ja-JP" altLang="en-US"/>
           </a:p>
@@ -11553,11 +11553,7 @@
             </a:r>
             <a:r>
               <a:rPr kumimoji="1" lang="ja-JP" altLang="en-US" dirty="0" smtClean="0"/>
-              <a:t>ソース管理</a:t>
-            </a:r>
-            <a:r>
-              <a:rPr kumimoji="1" lang="ja-JP" altLang="en-US" dirty="0" smtClean="0"/>
-              <a:t>　</a:t>
+              <a:t>ソース管理　</a:t>
             </a:r>
             <a:endParaRPr kumimoji="1" lang="ja-JP" altLang="en-US" dirty="0"/>
           </a:p>
@@ -11580,16 +11576,53 @@
           <a:p>
             <a:r>
               <a:rPr lang="en-US" altLang="ja-JP" dirty="0" smtClean="0"/>
-              <a:t>GitHub/</a:t>
-            </a:r>
-            <a:r>
-              <a:rPr lang="en-US" altLang="ja-JP" dirty="0" err="1" smtClean="0"/>
-              <a:t>Sourcetree</a:t>
+              <a:t>GitHub</a:t>
             </a:r>
             <a:endParaRPr kumimoji="1" lang="ja-JP" altLang="en-US" dirty="0"/>
           </a:p>
         </p:txBody>
       </p:sp>
+      <p:pic>
+        <p:nvPicPr>
+          <p:cNvPr id="1026" name="Picture 2" descr="Github icon に対する画像結果"/>
+          <p:cNvPicPr>
+            <a:picLocks noChangeAspect="1" noChangeArrowheads="1"/>
+          </p:cNvPicPr>
+          <p:nvPr/>
+        </p:nvPicPr>
+        <p:blipFill>
+          <a:blip r:embed="rId2">
+            <a:extLst>
+              <a:ext uri="{28A0092B-C50C-407E-A947-70E740481C1C}">
+                <a14:useLocalDpi xmlns:a14="http://schemas.microsoft.com/office/drawing/2010/main" val="0"/>
+              </a:ext>
+            </a:extLst>
+          </a:blip>
+          <a:srcRect/>
+          <a:stretch>
+            <a:fillRect/>
+          </a:stretch>
+        </p:blipFill>
+        <p:spPr bwMode="auto">
+          <a:xfrm>
+            <a:off x="5179859" y="3354029"/>
+            <a:ext cx="1990725" cy="1990725"/>
+          </a:xfrm>
+          <a:prstGeom prst="rect">
+            <a:avLst/>
+          </a:prstGeom>
+          <a:noFill/>
+          <a:extLst>
+            <a:ext uri="{909E8E84-426E-40DD-AFC4-6F175D3DCCD1}">
+              <a14:hiddenFill xmlns:a14="http://schemas.microsoft.com/office/drawing/2010/main">
+                <a:solidFill>
+                  <a:srgbClr val="FFFFFF"/>
+                </a:solidFill>
+              </a14:hiddenFill>
+            </a:ext>
+          </a:extLst>
+        </p:spPr>
+      </p:pic>
     </p:spTree>
     <p:extLst>
       <p:ext uri="{BB962C8B-B14F-4D97-AF65-F5344CB8AC3E}">
@@ -11639,46 +11672,23 @@
         </p:nvSpPr>
         <p:spPr/>
         <p:txBody>
-          <a:bodyPr/>
+          <a:bodyPr>
+            <a:normAutofit/>
+          </a:bodyPr>
           <a:lstStyle/>
           <a:p>
             <a:r>
-              <a:rPr kumimoji="1" lang="en-US" altLang="ja-JP" dirty="0" smtClean="0"/>
-              <a:t>GitHub/</a:t>
-            </a:r>
-            <a:r>
               <a:rPr lang="en-US" altLang="ja-JP" dirty="0" err="1" smtClean="0"/>
-              <a:t>SourceTree</a:t>
-            </a:r>
-            <a:endParaRPr kumimoji="1" lang="ja-JP" altLang="en-US" dirty="0"/>
-          </a:p>
-        </p:txBody>
-      </p:sp>
-      <p:sp>
-        <p:nvSpPr>
-          <p:cNvPr id="3" name="コンテンツ プレースホルダー 2"/>
-          <p:cNvSpPr>
-            <a:spLocks noGrp="1"/>
-          </p:cNvSpPr>
-          <p:nvPr>
-            <p:ph sz="half" idx="1"/>
-          </p:nvPr>
-        </p:nvSpPr>
-        <p:spPr/>
-        <p:txBody>
-          <a:bodyPr/>
-          <a:lstStyle/>
-          <a:p>
-            <a:r>
-              <a:rPr lang="en-US" altLang="ja-JP" sz="2000" b="1" dirty="0" err="1"/>
-              <a:t>SourceTree</a:t>
-            </a:r>
-            <a:r>
-              <a:rPr lang="ja-JP" altLang="en-US" sz="2000" b="1" dirty="0"/>
-              <a:t>のダウンロードとインストール方法</a:t>
-            </a:r>
-          </a:p>
-          <a:p>
+              <a:t>IIIDEA</a:t>
+            </a:r>
+            <a:r>
+              <a:rPr lang="en-US" altLang="ja-JP" dirty="0" err="1"/>
+              <a:t>ソース管理（Private管理中</a:t>
+            </a:r>
+            <a:r>
+              <a:rPr lang="en-US" altLang="ja-JP" dirty="0" smtClean="0"/>
+              <a:t>）</a:t>
+            </a:r>
             <a:endParaRPr kumimoji="1" lang="ja-JP" altLang="en-US" dirty="0"/>
           </a:p>
         </p:txBody>
@@ -11707,62 +11717,110 @@
           </a:p>
         </p:txBody>
       </p:sp>
-      <p:sp>
-        <p:nvSpPr>
-          <p:cNvPr id="5" name="正方形/長方形 4"/>
-          <p:cNvSpPr/>
+      <p:pic>
+        <p:nvPicPr>
+          <p:cNvPr id="8" name="Google Shape;546;p39"/>
+          <p:cNvPicPr preferRelativeResize="0"/>
           <p:nvPr/>
-        </p:nvSpPr>
-        <p:spPr>
-          <a:xfrm>
-            <a:off x="5301299" y="874967"/>
-            <a:ext cx="6797839" cy="369332"/>
+        </p:nvPicPr>
+        <p:blipFill rotWithShape="1">
+          <a:blip r:embed="rId2">
+            <a:alphaModFix/>
+          </a:blip>
+          <a:srcRect/>
+          <a:stretch/>
+        </p:blipFill>
+        <p:spPr>
+          <a:xfrm>
+            <a:off x="4061167" y="1474161"/>
+            <a:ext cx="8037971" cy="4642191"/>
           </a:xfrm>
           <a:prstGeom prst="rect">
             <a:avLst/>
           </a:prstGeom>
-        </p:spPr>
-        <p:txBody>
-          <a:bodyPr wrap="square">
+          <a:noFill/>
+          <a:ln>
+            <a:noFill/>
+          </a:ln>
+        </p:spPr>
+      </p:pic>
+      <p:pic>
+        <p:nvPicPr>
+          <p:cNvPr id="9" name="Google Shape;549;p39"/>
+          <p:cNvPicPr preferRelativeResize="0"/>
+          <p:nvPr/>
+        </p:nvPicPr>
+        <p:blipFill rotWithShape="1">
+          <a:blip r:embed="rId3">
+            <a:alphaModFix/>
+          </a:blip>
+          <a:srcRect/>
+          <a:stretch/>
+        </p:blipFill>
+        <p:spPr>
+          <a:xfrm>
+            <a:off x="473438" y="1474161"/>
+            <a:ext cx="3680591" cy="2795521"/>
+          </a:xfrm>
+          <a:prstGeom prst="rect">
+            <a:avLst/>
+          </a:prstGeom>
+          <a:noFill/>
+          <a:ln>
+            <a:noFill/>
+          </a:ln>
+        </p:spPr>
+      </p:pic>
+      <p:sp>
+        <p:nvSpPr>
+          <p:cNvPr id="10" name="Google Shape;550;p39"/>
+          <p:cNvSpPr/>
+          <p:nvPr/>
+        </p:nvSpPr>
+        <p:spPr>
+          <a:xfrm>
+            <a:off x="4061167" y="6275416"/>
+            <a:ext cx="7003840" cy="400110"/>
+          </a:xfrm>
+          <a:prstGeom prst="rect">
+            <a:avLst/>
+          </a:prstGeom>
+          <a:noFill/>
+          <a:ln>
+            <a:noFill/>
+          </a:ln>
+        </p:spPr>
+        <p:txBody>
+          <a:bodyPr spcFirstLastPara="1" wrap="square" lIns="91425" tIns="45700" rIns="91425" bIns="45700" anchor="t" anchorCtr="0">
             <a:spAutoFit/>
           </a:bodyPr>
           <a:lstStyle/>
           <a:p>
-            <a:r>
-              <a:rPr lang="ja-JP" altLang="en-US" dirty="0">
-                <a:hlinkClick r:id="rId2"/>
+            <a:pPr marL="0" marR="0" lvl="0" indent="0" algn="l" rtl="0">
+              <a:lnSpc>
+                <a:spcPct val="100000"/>
+              </a:lnSpc>
+              <a:spcBef>
+                <a:spcPts val="0"/>
+              </a:spcBef>
+              <a:spcAft>
+                <a:spcPts val="0"/>
+              </a:spcAft>
+              <a:buNone/>
+            </a:pPr>
+            <a:r>
+              <a:rPr lang="ja-JP" sz="2000" b="0" i="0" u="none" strike="noStrike" cap="none">
+                <a:solidFill>
+                  <a:srgbClr val="0070C0"/>
+                </a:solidFill>
+                <a:latin typeface="Arial"/>
+                <a:ea typeface="Arial"/>
+                <a:cs typeface="Arial"/>
+                <a:sym typeface="Arial"/>
               </a:rPr>
-              <a:t>https://proengineer.internous.co.jp/content/columnfeature/6983#2</a:t>
-            </a:r>
-            <a:endParaRPr lang="ja-JP" altLang="en-US" dirty="0"/>
-          </a:p>
-        </p:txBody>
-      </p:sp>
-      <p:sp>
-        <p:nvSpPr>
-          <p:cNvPr id="6" name="正方形/長方形 5"/>
-          <p:cNvSpPr/>
-          <p:nvPr/>
-        </p:nvSpPr>
-        <p:spPr>
-          <a:xfrm>
-            <a:off x="1117764" y="1995607"/>
-            <a:ext cx="5120312" cy="369332"/>
-          </a:xfrm>
-          <a:prstGeom prst="rect">
-            <a:avLst/>
-          </a:prstGeom>
-        </p:spPr>
-        <p:txBody>
-          <a:bodyPr wrap="none">
-            <a:spAutoFit/>
-          </a:bodyPr>
-          <a:lstStyle/>
-          <a:p>
-            <a:r>
-              <a:rPr lang="ja-JP" altLang="en-US" dirty="0"/>
-              <a:t>https://www.atlassian.com/ja/software/sourcetree</a:t>
-            </a:r>
+              <a:t>https://github.com/a1913lj/IIIDEAaaS/tree/master/IIIDEAaaS</a:t>
+            </a:r>
+            <a:endParaRPr/>
           </a:p>
         </p:txBody>
       </p:sp>

--- a/IIIDEAaaS/環境構築.pptx
+++ b/IIIDEAaaS/環境構築.pptx
@@ -7,7 +7,7 @@
     <p:sldMasterId id="2147483727" r:id="rId3"/>
   </p:sldMasterIdLst>
   <p:notesMasterIdLst>
-    <p:notesMasterId r:id="rId22"/>
+    <p:notesMasterId r:id="rId29"/>
   </p:notesMasterIdLst>
   <p:sldIdLst>
     <p:sldId id="256" r:id="rId4"/>
@@ -28,6 +28,13 @@
     <p:sldId id="454" r:id="rId19"/>
     <p:sldId id="460" r:id="rId20"/>
     <p:sldId id="459" r:id="rId21"/>
+    <p:sldId id="462" r:id="rId22"/>
+    <p:sldId id="461" r:id="rId23"/>
+    <p:sldId id="463" r:id="rId24"/>
+    <p:sldId id="464" r:id="rId25"/>
+    <p:sldId id="465" r:id="rId26"/>
+    <p:sldId id="466" r:id="rId27"/>
+    <p:sldId id="468" r:id="rId28"/>
   </p:sldIdLst>
   <p:sldSz cx="12192000" cy="6858000"/>
   <p:notesSz cx="6858000" cy="9144000"/>
@@ -216,7 +223,7 @@
           <a:p>
             <a:fld id="{885EFEAC-8D59-453B-A3B6-0D568FD1D6DA}" type="datetimeFigureOut">
               <a:rPr kumimoji="1" lang="ja-JP" altLang="en-US" smtClean="0"/>
-              <a:t>2021/1/4</a:t>
+              <a:t>2021/1/8</a:t>
             </a:fld>
             <a:endParaRPr kumimoji="1" lang="ja-JP" altLang="en-US"/>
           </a:p>
@@ -8788,7 +8795,7 @@
             <a:pPr algn="ctr"/>
             <a:r>
               <a:rPr kumimoji="1" lang="en-US" altLang="ja-JP" dirty="0" err="1" smtClean="0"/>
-              <a:t>IIIDeaaa</a:t>
+              <a:t>IIIDEAaaS</a:t>
             </a:r>
             <a:r>
               <a:rPr kumimoji="1" lang="ja-JP" altLang="en-US" dirty="0" smtClean="0"/>
@@ -8879,7 +8886,7 @@
           <a:p>
             <a:r>
               <a:rPr kumimoji="1" lang="en-US" altLang="ja-JP" dirty="0" err="1" smtClean="0"/>
-              <a:t>IIIDeaaa</a:t>
+              <a:t>IIIDEAaaS</a:t>
             </a:r>
             <a:r>
               <a:rPr kumimoji="1" lang="en-US" altLang="ja-JP" dirty="0" smtClean="0"/>
@@ -11548,8 +11555,8 @@
           <a:p>
             <a:pPr algn="ctr"/>
             <a:r>
-              <a:rPr kumimoji="1" lang="en-US" altLang="ja-JP" dirty="0" smtClean="0"/>
-              <a:t>IIIDEA</a:t>
+              <a:rPr kumimoji="1" lang="en-US" altLang="ja-JP" dirty="0" err="1" smtClean="0"/>
+              <a:t>IIIDEAaaS</a:t>
             </a:r>
             <a:r>
               <a:rPr kumimoji="1" lang="ja-JP" altLang="en-US" dirty="0" smtClean="0"/>
@@ -11679,11 +11686,11 @@
           <a:p>
             <a:r>
               <a:rPr lang="en-US" altLang="ja-JP" dirty="0" err="1" smtClean="0"/>
-              <a:t>IIIDEA</a:t>
+              <a:t>IIIDEAaaSソース管理</a:t>
             </a:r>
             <a:r>
               <a:rPr lang="en-US" altLang="ja-JP" dirty="0" err="1"/>
-              <a:t>ソース管理（Private管理中</a:t>
+              <a:t>（Private管理中</a:t>
             </a:r>
             <a:r>
               <a:rPr lang="en-US" altLang="ja-JP" dirty="0" smtClean="0"/>
@@ -11834,6 +11841,92 @@
   <p:clrMapOvr>
     <a:masterClrMapping/>
   </p:clrMapOvr>
+</p:sld>
+</file>
+
+<file path=ppt/slides/slide19.xml><?xml version="1.0" encoding="utf-8"?>
+<p:sld xmlns:a="http://schemas.openxmlformats.org/drawingml/2006/main" xmlns:r="http://schemas.openxmlformats.org/officeDocument/2006/relationships" xmlns:p="http://schemas.openxmlformats.org/presentationml/2006/main">
+  <p:cSld>
+    <p:spTree>
+      <p:nvGrpSpPr>
+        <p:cNvPr id="1" name=""/>
+        <p:cNvGrpSpPr/>
+        <p:nvPr/>
+      </p:nvGrpSpPr>
+      <p:grpSpPr>
+        <a:xfrm>
+          <a:off x="0" y="0"/>
+          <a:ext cx="0" cy="0"/>
+          <a:chOff x="0" y="0"/>
+          <a:chExt cx="0" cy="0"/>
+        </a:xfrm>
+      </p:grpSpPr>
+      <p:sp>
+        <p:nvSpPr>
+          <p:cNvPr id="4" name="タイトル 3"/>
+          <p:cNvSpPr>
+            <a:spLocks noGrp="1"/>
+          </p:cNvSpPr>
+          <p:nvPr>
+            <p:ph type="ctrTitle"/>
+          </p:nvPr>
+        </p:nvSpPr>
+        <p:spPr/>
+        <p:txBody>
+          <a:bodyPr>
+            <a:normAutofit/>
+          </a:bodyPr>
+          <a:lstStyle/>
+          <a:p>
+            <a:pPr algn="ctr"/>
+            <a:r>
+              <a:rPr kumimoji="1" lang="en-US" altLang="ja-JP" dirty="0" err="1" smtClean="0"/>
+              <a:t>IIIDEAaaS</a:t>
+            </a:r>
+            <a:r>
+              <a:rPr kumimoji="1" lang="ja-JP" altLang="en-US" dirty="0" smtClean="0"/>
+              <a:t>のセットアップ　</a:t>
+            </a:r>
+            <a:endParaRPr kumimoji="1" lang="ja-JP" altLang="en-US" dirty="0"/>
+          </a:p>
+        </p:txBody>
+      </p:sp>
+      <p:sp>
+        <p:nvSpPr>
+          <p:cNvPr id="2" name="サブタイトル 1"/>
+          <p:cNvSpPr>
+            <a:spLocks noGrp="1"/>
+          </p:cNvSpPr>
+          <p:nvPr>
+            <p:ph type="subTitle" idx="1"/>
+          </p:nvPr>
+        </p:nvSpPr>
+        <p:spPr/>
+        <p:txBody>
+          <a:bodyPr/>
+          <a:lstStyle/>
+          <a:p>
+            <a:endParaRPr kumimoji="1" lang="ja-JP" altLang="en-US" dirty="0"/>
+          </a:p>
+        </p:txBody>
+      </p:sp>
+    </p:spTree>
+    <p:extLst>
+      <p:ext uri="{BB962C8B-B14F-4D97-AF65-F5344CB8AC3E}">
+        <p14:creationId xmlns:p14="http://schemas.microsoft.com/office/powerpoint/2010/main" val="1741251536"/>
+      </p:ext>
+    </p:extLst>
+  </p:cSld>
+  <p:clrMapOvr>
+    <a:masterClrMapping/>
+  </p:clrMapOvr>
+  <p:timing>
+    <p:tnLst>
+      <p:par>
+        <p:cTn id="1" dur="indefinite" restart="never" nodeType="tmRoot"/>
+      </p:par>
+    </p:tnLst>
+  </p:timing>
 </p:sld>
 </file>
 
@@ -12120,6 +12213,1200 @@
     <p:extLst>
       <p:ext uri="{BB962C8B-B14F-4D97-AF65-F5344CB8AC3E}">
         <p14:creationId xmlns:p14="http://schemas.microsoft.com/office/powerpoint/2010/main" val="92476467"/>
+      </p:ext>
+    </p:extLst>
+  </p:cSld>
+  <p:clrMapOvr>
+    <a:masterClrMapping/>
+  </p:clrMapOvr>
+</p:sld>
+</file>
+
+<file path=ppt/slides/slide20.xml><?xml version="1.0" encoding="utf-8"?>
+<p:sld xmlns:a="http://schemas.openxmlformats.org/drawingml/2006/main" xmlns:r="http://schemas.openxmlformats.org/officeDocument/2006/relationships" xmlns:p="http://schemas.openxmlformats.org/presentationml/2006/main">
+  <p:cSld>
+    <p:spTree>
+      <p:nvGrpSpPr>
+        <p:cNvPr id="1" name=""/>
+        <p:cNvGrpSpPr/>
+        <p:nvPr/>
+      </p:nvGrpSpPr>
+      <p:grpSpPr>
+        <a:xfrm>
+          <a:off x="0" y="0"/>
+          <a:ext cx="0" cy="0"/>
+          <a:chOff x="0" y="0"/>
+          <a:chExt cx="0" cy="0"/>
+        </a:xfrm>
+      </p:grpSpPr>
+      <p:sp>
+        <p:nvSpPr>
+          <p:cNvPr id="2" name="タイトル 1"/>
+          <p:cNvSpPr>
+            <a:spLocks noGrp="1"/>
+          </p:cNvSpPr>
+          <p:nvPr>
+            <p:ph type="title"/>
+          </p:nvPr>
+        </p:nvSpPr>
+        <p:spPr/>
+        <p:txBody>
+          <a:bodyPr/>
+          <a:lstStyle/>
+          <a:p>
+            <a:r>
+              <a:rPr kumimoji="1" lang="ja-JP" altLang="en-US" dirty="0" smtClean="0"/>
+              <a:t>①</a:t>
+            </a:r>
+            <a:r>
+              <a:rPr kumimoji="1" lang="en-US" altLang="ja-JP" dirty="0" smtClean="0"/>
+              <a:t>Setup</a:t>
+            </a:r>
+            <a:r>
+              <a:rPr kumimoji="1" lang="ja-JP" altLang="en-US" dirty="0" smtClean="0"/>
+              <a:t>取得</a:t>
+            </a:r>
+            <a:endParaRPr kumimoji="1" lang="ja-JP" altLang="en-US" dirty="0"/>
+          </a:p>
+        </p:txBody>
+      </p:sp>
+      <p:sp>
+        <p:nvSpPr>
+          <p:cNvPr id="3" name="コンテンツ プレースホルダー 2"/>
+          <p:cNvSpPr>
+            <a:spLocks noGrp="1"/>
+          </p:cNvSpPr>
+          <p:nvPr>
+            <p:ph sz="half" idx="1"/>
+          </p:nvPr>
+        </p:nvSpPr>
+        <p:spPr/>
+        <p:txBody>
+          <a:bodyPr/>
+          <a:lstStyle/>
+          <a:p>
+            <a:pPr marL="0" indent="0">
+              <a:buNone/>
+            </a:pPr>
+            <a:r>
+              <a:rPr lang="en-US" altLang="ja-JP" b="1" dirty="0" smtClean="0">
+                <a:hlinkClick r:id="rId2"/>
+              </a:rPr>
+              <a:t>¥</a:t>
+            </a:r>
+            <a:r>
+              <a:rPr lang="ja-JP" altLang="en-US" b="1" dirty="0" smtClean="0">
+                <a:hlinkClick r:id="rId2"/>
+              </a:rPr>
+              <a:t>細田</a:t>
+            </a:r>
+            <a:r>
+              <a:rPr lang="ja-JP" altLang="en-US" b="1" dirty="0">
+                <a:hlinkClick r:id="rId2"/>
+              </a:rPr>
+              <a:t>PBL_2020\02_チーム別Docs\Phase3_機能検討チーム\Temp\src\</a:t>
+            </a:r>
+            <a:r>
+              <a:rPr lang="ja-JP" altLang="en-US" b="1" dirty="0" smtClean="0">
+                <a:hlinkClick r:id="rId2"/>
+              </a:rPr>
+              <a:t>setup</a:t>
+            </a:r>
+            <a:endParaRPr kumimoji="1" lang="en-US" altLang="ja-JP" b="1" dirty="0"/>
+          </a:p>
+          <a:p>
+            <a:pPr marL="0" indent="0">
+              <a:buNone/>
+            </a:pPr>
+            <a:r>
+              <a:rPr lang="ja-JP" altLang="en-US" b="1" dirty="0" smtClean="0"/>
+              <a:t>よりイメージダウンロードします。</a:t>
+            </a:r>
+            <a:endParaRPr lang="en-US" altLang="ja-JP" b="1" dirty="0" smtClean="0"/>
+          </a:p>
+          <a:p>
+            <a:pPr marL="0" indent="0">
+              <a:buNone/>
+            </a:pPr>
+            <a:endParaRPr kumimoji="1" lang="ja-JP" altLang="en-US" b="1" dirty="0"/>
+          </a:p>
+        </p:txBody>
+      </p:sp>
+      <p:sp>
+        <p:nvSpPr>
+          <p:cNvPr id="4" name="スライド番号プレースホルダー 3"/>
+          <p:cNvSpPr>
+            <a:spLocks noGrp="1"/>
+          </p:cNvSpPr>
+          <p:nvPr>
+            <p:ph type="sldNum" sz="quarter" idx="15"/>
+          </p:nvPr>
+        </p:nvSpPr>
+        <p:spPr/>
+        <p:txBody>
+          <a:bodyPr/>
+          <a:lstStyle/>
+          <a:p>
+            <a:fld id="{CB6FF75C-19E1-41C6-B89F-A224F87244FA}" type="slidenum">
+              <a:rPr lang="ja-JP" altLang="en-US" smtClean="0"/>
+              <a:pPr/>
+              <a:t>20</a:t>
+            </a:fld>
+            <a:endParaRPr lang="ja-JP" altLang="en-US"/>
+          </a:p>
+        </p:txBody>
+      </p:sp>
+      <p:pic>
+        <p:nvPicPr>
+          <p:cNvPr id="5" name="図 4"/>
+          <p:cNvPicPr>
+            <a:picLocks noChangeAspect="1"/>
+          </p:cNvPicPr>
+          <p:nvPr/>
+        </p:nvPicPr>
+        <p:blipFill>
+          <a:blip r:embed="rId3"/>
+          <a:stretch>
+            <a:fillRect/>
+          </a:stretch>
+        </p:blipFill>
+        <p:spPr>
+          <a:xfrm>
+            <a:off x="962486" y="2466206"/>
+            <a:ext cx="3895725" cy="962025"/>
+          </a:xfrm>
+          <a:prstGeom prst="rect">
+            <a:avLst/>
+          </a:prstGeom>
+        </p:spPr>
+      </p:pic>
+    </p:spTree>
+    <p:extLst>
+      <p:ext uri="{BB962C8B-B14F-4D97-AF65-F5344CB8AC3E}">
+        <p14:creationId xmlns:p14="http://schemas.microsoft.com/office/powerpoint/2010/main" val="411881258"/>
+      </p:ext>
+    </p:extLst>
+  </p:cSld>
+  <p:clrMapOvr>
+    <a:masterClrMapping/>
+  </p:clrMapOvr>
+</p:sld>
+</file>
+
+<file path=ppt/slides/slide21.xml><?xml version="1.0" encoding="utf-8"?>
+<p:sld xmlns:a="http://schemas.openxmlformats.org/drawingml/2006/main" xmlns:r="http://schemas.openxmlformats.org/officeDocument/2006/relationships" xmlns:p="http://schemas.openxmlformats.org/presentationml/2006/main">
+  <p:cSld>
+    <p:spTree>
+      <p:nvGrpSpPr>
+        <p:cNvPr id="1" name=""/>
+        <p:cNvGrpSpPr/>
+        <p:nvPr/>
+      </p:nvGrpSpPr>
+      <p:grpSpPr>
+        <a:xfrm>
+          <a:off x="0" y="0"/>
+          <a:ext cx="0" cy="0"/>
+          <a:chOff x="0" y="0"/>
+          <a:chExt cx="0" cy="0"/>
+        </a:xfrm>
+      </p:grpSpPr>
+      <p:sp>
+        <p:nvSpPr>
+          <p:cNvPr id="2" name="タイトル 1"/>
+          <p:cNvSpPr>
+            <a:spLocks noGrp="1"/>
+          </p:cNvSpPr>
+          <p:nvPr>
+            <p:ph type="title"/>
+          </p:nvPr>
+        </p:nvSpPr>
+        <p:spPr/>
+        <p:txBody>
+          <a:bodyPr/>
+          <a:lstStyle/>
+          <a:p>
+            <a:r>
+              <a:rPr kumimoji="1" lang="ja-JP" altLang="en-US" dirty="0" smtClean="0"/>
+              <a:t>インストール手順（</a:t>
+            </a:r>
+            <a:r>
+              <a:rPr kumimoji="1" lang="en-US" altLang="ja-JP" dirty="0" smtClean="0"/>
+              <a:t>setup.exe</a:t>
+            </a:r>
+            <a:r>
+              <a:rPr kumimoji="1" lang="ja-JP" altLang="en-US" dirty="0" smtClean="0"/>
+              <a:t>）</a:t>
+            </a:r>
+            <a:endParaRPr kumimoji="1" lang="ja-JP" altLang="en-US" dirty="0"/>
+          </a:p>
+        </p:txBody>
+      </p:sp>
+      <p:sp>
+        <p:nvSpPr>
+          <p:cNvPr id="4" name="スライド番号プレースホルダー 3"/>
+          <p:cNvSpPr>
+            <a:spLocks noGrp="1"/>
+          </p:cNvSpPr>
+          <p:nvPr>
+            <p:ph type="sldNum" sz="quarter" idx="15"/>
+          </p:nvPr>
+        </p:nvSpPr>
+        <p:spPr/>
+        <p:txBody>
+          <a:bodyPr/>
+          <a:lstStyle/>
+          <a:p>
+            <a:fld id="{CB6FF75C-19E1-41C6-B89F-A224F87244FA}" type="slidenum">
+              <a:rPr lang="ja-JP" altLang="en-US" smtClean="0"/>
+              <a:pPr/>
+              <a:t>21</a:t>
+            </a:fld>
+            <a:endParaRPr lang="ja-JP" altLang="en-US"/>
+          </a:p>
+        </p:txBody>
+      </p:sp>
+      <p:pic>
+        <p:nvPicPr>
+          <p:cNvPr id="8" name="図 7"/>
+          <p:cNvPicPr>
+            <a:picLocks noChangeAspect="1"/>
+          </p:cNvPicPr>
+          <p:nvPr/>
+        </p:nvPicPr>
+        <p:blipFill>
+          <a:blip r:embed="rId2"/>
+          <a:stretch>
+            <a:fillRect/>
+          </a:stretch>
+        </p:blipFill>
+        <p:spPr>
+          <a:xfrm>
+            <a:off x="838199" y="1726940"/>
+            <a:ext cx="4752975" cy="3895725"/>
+          </a:xfrm>
+          <a:prstGeom prst="rect">
+            <a:avLst/>
+          </a:prstGeom>
+        </p:spPr>
+      </p:pic>
+      <p:pic>
+        <p:nvPicPr>
+          <p:cNvPr id="9" name="図 8"/>
+          <p:cNvPicPr>
+            <a:picLocks noChangeAspect="1"/>
+          </p:cNvPicPr>
+          <p:nvPr/>
+        </p:nvPicPr>
+        <p:blipFill>
+          <a:blip r:embed="rId3"/>
+          <a:stretch>
+            <a:fillRect/>
+          </a:stretch>
+        </p:blipFill>
+        <p:spPr>
+          <a:xfrm>
+            <a:off x="6600825" y="1726941"/>
+            <a:ext cx="4752975" cy="3895725"/>
+          </a:xfrm>
+          <a:prstGeom prst="rect">
+            <a:avLst/>
+          </a:prstGeom>
+        </p:spPr>
+      </p:pic>
+      <p:sp>
+        <p:nvSpPr>
+          <p:cNvPr id="6" name="右矢印 5"/>
+          <p:cNvSpPr/>
+          <p:nvPr/>
+        </p:nvSpPr>
+        <p:spPr>
+          <a:xfrm>
+            <a:off x="5874774" y="3190170"/>
+            <a:ext cx="580103" cy="484632"/>
+          </a:xfrm>
+          <a:prstGeom prst="rightArrow">
+            <a:avLst/>
+          </a:prstGeom>
+          <a:solidFill>
+            <a:schemeClr val="bg1"/>
+          </a:solidFill>
+          <a:ln>
+            <a:solidFill>
+              <a:srgbClr val="00B0F0"/>
+            </a:solidFill>
+          </a:ln>
+        </p:spPr>
+        <p:style>
+          <a:lnRef idx="2">
+            <a:schemeClr val="accent1">
+              <a:shade val="50000"/>
+            </a:schemeClr>
+          </a:lnRef>
+          <a:fillRef idx="1">
+            <a:schemeClr val="accent1"/>
+          </a:fillRef>
+          <a:effectRef idx="0">
+            <a:schemeClr val="accent1"/>
+          </a:effectRef>
+          <a:fontRef idx="minor">
+            <a:schemeClr val="lt1"/>
+          </a:fontRef>
+        </p:style>
+        <p:txBody>
+          <a:bodyPr rtlCol="0" anchor="ctr"/>
+          <a:lstStyle/>
+          <a:p>
+            <a:pPr algn="ctr"/>
+            <a:endParaRPr kumimoji="1" lang="ja-JP" altLang="en-US"/>
+          </a:p>
+        </p:txBody>
+      </p:sp>
+    </p:spTree>
+    <p:extLst>
+      <p:ext uri="{BB962C8B-B14F-4D97-AF65-F5344CB8AC3E}">
+        <p14:creationId xmlns:p14="http://schemas.microsoft.com/office/powerpoint/2010/main" val="2046078734"/>
+      </p:ext>
+    </p:extLst>
+  </p:cSld>
+  <p:clrMapOvr>
+    <a:masterClrMapping/>
+  </p:clrMapOvr>
+</p:sld>
+</file>
+
+<file path=ppt/slides/slide22.xml><?xml version="1.0" encoding="utf-8"?>
+<p:sld xmlns:a="http://schemas.openxmlformats.org/drawingml/2006/main" xmlns:r="http://schemas.openxmlformats.org/officeDocument/2006/relationships" xmlns:p="http://schemas.openxmlformats.org/presentationml/2006/main">
+  <p:cSld>
+    <p:spTree>
+      <p:nvGrpSpPr>
+        <p:cNvPr id="1" name=""/>
+        <p:cNvGrpSpPr/>
+        <p:nvPr/>
+      </p:nvGrpSpPr>
+      <p:grpSpPr>
+        <a:xfrm>
+          <a:off x="0" y="0"/>
+          <a:ext cx="0" cy="0"/>
+          <a:chOff x="0" y="0"/>
+          <a:chExt cx="0" cy="0"/>
+        </a:xfrm>
+      </p:grpSpPr>
+      <p:sp>
+        <p:nvSpPr>
+          <p:cNvPr id="2" name="タイトル 1"/>
+          <p:cNvSpPr>
+            <a:spLocks noGrp="1"/>
+          </p:cNvSpPr>
+          <p:nvPr>
+            <p:ph type="title"/>
+          </p:nvPr>
+        </p:nvSpPr>
+        <p:spPr/>
+        <p:txBody>
+          <a:bodyPr/>
+          <a:lstStyle/>
+          <a:p>
+            <a:r>
+              <a:rPr lang="ja-JP" altLang="en-US" dirty="0"/>
+              <a:t>インストール手順</a:t>
+            </a:r>
+            <a:endParaRPr kumimoji="1" lang="ja-JP" altLang="en-US" dirty="0"/>
+          </a:p>
+        </p:txBody>
+      </p:sp>
+      <p:sp>
+        <p:nvSpPr>
+          <p:cNvPr id="4" name="スライド番号プレースホルダー 3"/>
+          <p:cNvSpPr>
+            <a:spLocks noGrp="1"/>
+          </p:cNvSpPr>
+          <p:nvPr>
+            <p:ph type="sldNum" sz="quarter" idx="15"/>
+          </p:nvPr>
+        </p:nvSpPr>
+        <p:spPr/>
+        <p:txBody>
+          <a:bodyPr/>
+          <a:lstStyle/>
+          <a:p>
+            <a:fld id="{CB6FF75C-19E1-41C6-B89F-A224F87244FA}" type="slidenum">
+              <a:rPr lang="ja-JP" altLang="en-US" smtClean="0"/>
+              <a:pPr/>
+              <a:t>22</a:t>
+            </a:fld>
+            <a:endParaRPr lang="ja-JP" altLang="en-US"/>
+          </a:p>
+        </p:txBody>
+      </p:sp>
+      <p:pic>
+        <p:nvPicPr>
+          <p:cNvPr id="5" name="図 4"/>
+          <p:cNvPicPr>
+            <a:picLocks noChangeAspect="1"/>
+          </p:cNvPicPr>
+          <p:nvPr/>
+        </p:nvPicPr>
+        <p:blipFill>
+          <a:blip r:embed="rId2"/>
+          <a:stretch>
+            <a:fillRect/>
+          </a:stretch>
+        </p:blipFill>
+        <p:spPr>
+          <a:xfrm>
+            <a:off x="838200" y="1726942"/>
+            <a:ext cx="4752975" cy="3895725"/>
+          </a:xfrm>
+          <a:prstGeom prst="rect">
+            <a:avLst/>
+          </a:prstGeom>
+        </p:spPr>
+      </p:pic>
+      <p:pic>
+        <p:nvPicPr>
+          <p:cNvPr id="6" name="図 5"/>
+          <p:cNvPicPr>
+            <a:picLocks noChangeAspect="1"/>
+          </p:cNvPicPr>
+          <p:nvPr/>
+        </p:nvPicPr>
+        <p:blipFill>
+          <a:blip r:embed="rId3"/>
+          <a:stretch>
+            <a:fillRect/>
+          </a:stretch>
+        </p:blipFill>
+        <p:spPr>
+          <a:xfrm>
+            <a:off x="6600825" y="1726942"/>
+            <a:ext cx="4752975" cy="3895725"/>
+          </a:xfrm>
+          <a:prstGeom prst="rect">
+            <a:avLst/>
+          </a:prstGeom>
+        </p:spPr>
+      </p:pic>
+      <p:pic>
+        <p:nvPicPr>
+          <p:cNvPr id="7" name="図 6"/>
+          <p:cNvPicPr>
+            <a:picLocks noChangeAspect="1"/>
+          </p:cNvPicPr>
+          <p:nvPr/>
+        </p:nvPicPr>
+        <p:blipFill>
+          <a:blip r:embed="rId4"/>
+          <a:stretch>
+            <a:fillRect/>
+          </a:stretch>
+        </p:blipFill>
+        <p:spPr>
+          <a:xfrm>
+            <a:off x="838199" y="1726941"/>
+            <a:ext cx="4752975" cy="3895725"/>
+          </a:xfrm>
+          <a:prstGeom prst="rect">
+            <a:avLst/>
+          </a:prstGeom>
+        </p:spPr>
+      </p:pic>
+      <p:sp>
+        <p:nvSpPr>
+          <p:cNvPr id="8" name="右矢印 7"/>
+          <p:cNvSpPr/>
+          <p:nvPr/>
+        </p:nvSpPr>
+        <p:spPr>
+          <a:xfrm>
+            <a:off x="5874774" y="3190170"/>
+            <a:ext cx="580103" cy="484632"/>
+          </a:xfrm>
+          <a:prstGeom prst="rightArrow">
+            <a:avLst/>
+          </a:prstGeom>
+          <a:solidFill>
+            <a:schemeClr val="bg1"/>
+          </a:solidFill>
+          <a:ln>
+            <a:solidFill>
+              <a:srgbClr val="00B0F0"/>
+            </a:solidFill>
+          </a:ln>
+        </p:spPr>
+        <p:style>
+          <a:lnRef idx="2">
+            <a:schemeClr val="accent1">
+              <a:shade val="50000"/>
+            </a:schemeClr>
+          </a:lnRef>
+          <a:fillRef idx="1">
+            <a:schemeClr val="accent1"/>
+          </a:fillRef>
+          <a:effectRef idx="0">
+            <a:schemeClr val="accent1"/>
+          </a:effectRef>
+          <a:fontRef idx="minor">
+            <a:schemeClr val="lt1"/>
+          </a:fontRef>
+        </p:style>
+        <p:txBody>
+          <a:bodyPr rtlCol="0" anchor="ctr"/>
+          <a:lstStyle/>
+          <a:p>
+            <a:pPr algn="ctr"/>
+            <a:endParaRPr kumimoji="1" lang="ja-JP" altLang="en-US"/>
+          </a:p>
+        </p:txBody>
+      </p:sp>
+    </p:spTree>
+    <p:extLst>
+      <p:ext uri="{BB962C8B-B14F-4D97-AF65-F5344CB8AC3E}">
+        <p14:creationId xmlns:p14="http://schemas.microsoft.com/office/powerpoint/2010/main" val="473928361"/>
+      </p:ext>
+    </p:extLst>
+  </p:cSld>
+  <p:clrMapOvr>
+    <a:masterClrMapping/>
+  </p:clrMapOvr>
+</p:sld>
+</file>
+
+<file path=ppt/slides/slide23.xml><?xml version="1.0" encoding="utf-8"?>
+<p:sld xmlns:a="http://schemas.openxmlformats.org/drawingml/2006/main" xmlns:r="http://schemas.openxmlformats.org/officeDocument/2006/relationships" xmlns:p="http://schemas.openxmlformats.org/presentationml/2006/main">
+  <p:cSld>
+    <p:spTree>
+      <p:nvGrpSpPr>
+        <p:cNvPr id="1" name=""/>
+        <p:cNvGrpSpPr/>
+        <p:nvPr/>
+      </p:nvGrpSpPr>
+      <p:grpSpPr>
+        <a:xfrm>
+          <a:off x="0" y="0"/>
+          <a:ext cx="0" cy="0"/>
+          <a:chOff x="0" y="0"/>
+          <a:chExt cx="0" cy="0"/>
+        </a:xfrm>
+      </p:grpSpPr>
+      <p:sp>
+        <p:nvSpPr>
+          <p:cNvPr id="2" name="タイトル 1"/>
+          <p:cNvSpPr>
+            <a:spLocks noGrp="1"/>
+          </p:cNvSpPr>
+          <p:nvPr>
+            <p:ph type="title"/>
+          </p:nvPr>
+        </p:nvSpPr>
+        <p:spPr/>
+        <p:txBody>
+          <a:bodyPr/>
+          <a:lstStyle/>
+          <a:p>
+            <a:r>
+              <a:rPr kumimoji="1" lang="ja-JP" altLang="en-US" dirty="0" smtClean="0"/>
+              <a:t>インストール手順</a:t>
+            </a:r>
+            <a:endParaRPr kumimoji="1" lang="ja-JP" altLang="en-US" dirty="0"/>
+          </a:p>
+        </p:txBody>
+      </p:sp>
+      <p:sp>
+        <p:nvSpPr>
+          <p:cNvPr id="4" name="スライド番号プレースホルダー 3"/>
+          <p:cNvSpPr>
+            <a:spLocks noGrp="1"/>
+          </p:cNvSpPr>
+          <p:nvPr>
+            <p:ph type="sldNum" sz="quarter" idx="15"/>
+          </p:nvPr>
+        </p:nvSpPr>
+        <p:spPr/>
+        <p:txBody>
+          <a:bodyPr/>
+          <a:lstStyle/>
+          <a:p>
+            <a:fld id="{CB6FF75C-19E1-41C6-B89F-A224F87244FA}" type="slidenum">
+              <a:rPr lang="ja-JP" altLang="en-US" smtClean="0"/>
+              <a:pPr/>
+              <a:t>23</a:t>
+            </a:fld>
+            <a:endParaRPr lang="ja-JP" altLang="en-US"/>
+          </a:p>
+        </p:txBody>
+      </p:sp>
+      <p:pic>
+        <p:nvPicPr>
+          <p:cNvPr id="9" name="図 8"/>
+          <p:cNvPicPr>
+            <a:picLocks noChangeAspect="1"/>
+          </p:cNvPicPr>
+          <p:nvPr/>
+        </p:nvPicPr>
+        <p:blipFill>
+          <a:blip r:embed="rId2"/>
+          <a:stretch>
+            <a:fillRect/>
+          </a:stretch>
+        </p:blipFill>
+        <p:spPr>
+          <a:xfrm>
+            <a:off x="838199" y="1726941"/>
+            <a:ext cx="4752975" cy="3895725"/>
+          </a:xfrm>
+          <a:prstGeom prst="rect">
+            <a:avLst/>
+          </a:prstGeom>
+        </p:spPr>
+      </p:pic>
+      <p:pic>
+        <p:nvPicPr>
+          <p:cNvPr id="10" name="図 9"/>
+          <p:cNvPicPr>
+            <a:picLocks noChangeAspect="1"/>
+          </p:cNvPicPr>
+          <p:nvPr/>
+        </p:nvPicPr>
+        <p:blipFill>
+          <a:blip r:embed="rId3"/>
+          <a:stretch>
+            <a:fillRect/>
+          </a:stretch>
+        </p:blipFill>
+        <p:spPr>
+          <a:xfrm>
+            <a:off x="6600824" y="1726941"/>
+            <a:ext cx="4752975" cy="3895725"/>
+          </a:xfrm>
+          <a:prstGeom prst="rect">
+            <a:avLst/>
+          </a:prstGeom>
+        </p:spPr>
+      </p:pic>
+      <p:sp>
+        <p:nvSpPr>
+          <p:cNvPr id="6" name="右矢印 5"/>
+          <p:cNvSpPr/>
+          <p:nvPr/>
+        </p:nvSpPr>
+        <p:spPr>
+          <a:xfrm>
+            <a:off x="5874774" y="3190170"/>
+            <a:ext cx="580103" cy="484632"/>
+          </a:xfrm>
+          <a:prstGeom prst="rightArrow">
+            <a:avLst/>
+          </a:prstGeom>
+          <a:solidFill>
+            <a:schemeClr val="bg1"/>
+          </a:solidFill>
+          <a:ln>
+            <a:solidFill>
+              <a:srgbClr val="00B0F0"/>
+            </a:solidFill>
+          </a:ln>
+        </p:spPr>
+        <p:style>
+          <a:lnRef idx="2">
+            <a:schemeClr val="accent1">
+              <a:shade val="50000"/>
+            </a:schemeClr>
+          </a:lnRef>
+          <a:fillRef idx="1">
+            <a:schemeClr val="accent1"/>
+          </a:fillRef>
+          <a:effectRef idx="0">
+            <a:schemeClr val="accent1"/>
+          </a:effectRef>
+          <a:fontRef idx="minor">
+            <a:schemeClr val="lt1"/>
+          </a:fontRef>
+        </p:style>
+        <p:txBody>
+          <a:bodyPr rtlCol="0" anchor="ctr"/>
+          <a:lstStyle/>
+          <a:p>
+            <a:pPr algn="ctr"/>
+            <a:endParaRPr kumimoji="1" lang="ja-JP" altLang="en-US"/>
+          </a:p>
+        </p:txBody>
+      </p:sp>
+    </p:spTree>
+    <p:extLst>
+      <p:ext uri="{BB962C8B-B14F-4D97-AF65-F5344CB8AC3E}">
+        <p14:creationId xmlns:p14="http://schemas.microsoft.com/office/powerpoint/2010/main" val="1370093147"/>
+      </p:ext>
+    </p:extLst>
+  </p:cSld>
+  <p:clrMapOvr>
+    <a:masterClrMapping/>
+  </p:clrMapOvr>
+</p:sld>
+</file>
+
+<file path=ppt/slides/slide24.xml><?xml version="1.0" encoding="utf-8"?>
+<p:sld xmlns:a="http://schemas.openxmlformats.org/drawingml/2006/main" xmlns:r="http://schemas.openxmlformats.org/officeDocument/2006/relationships" xmlns:p="http://schemas.openxmlformats.org/presentationml/2006/main">
+  <p:cSld>
+    <p:spTree>
+      <p:nvGrpSpPr>
+        <p:cNvPr id="1" name=""/>
+        <p:cNvGrpSpPr/>
+        <p:nvPr/>
+      </p:nvGrpSpPr>
+      <p:grpSpPr>
+        <a:xfrm>
+          <a:off x="0" y="0"/>
+          <a:ext cx="0" cy="0"/>
+          <a:chOff x="0" y="0"/>
+          <a:chExt cx="0" cy="0"/>
+        </a:xfrm>
+      </p:grpSpPr>
+      <p:sp>
+        <p:nvSpPr>
+          <p:cNvPr id="2" name="タイトル 1"/>
+          <p:cNvSpPr>
+            <a:spLocks noGrp="1"/>
+          </p:cNvSpPr>
+          <p:nvPr>
+            <p:ph type="title"/>
+          </p:nvPr>
+        </p:nvSpPr>
+        <p:spPr/>
+        <p:txBody>
+          <a:bodyPr/>
+          <a:lstStyle/>
+          <a:p>
+            <a:r>
+              <a:rPr kumimoji="1" lang="ja-JP" altLang="en-US" dirty="0" smtClean="0"/>
+              <a:t>環境確認（</a:t>
+            </a:r>
+            <a:r>
+              <a:rPr kumimoji="1" lang="en-US" altLang="ja-JP" dirty="0" smtClean="0"/>
+              <a:t>※</a:t>
+            </a:r>
+            <a:r>
+              <a:rPr kumimoji="1" lang="ja-JP" altLang="en-US" dirty="0" smtClean="0"/>
+              <a:t>）</a:t>
+            </a:r>
+            <a:r>
+              <a:rPr kumimoji="1" lang="ja-JP" altLang="en-US" smtClean="0"/>
+              <a:t>初回のみ</a:t>
+            </a:r>
+            <a:endParaRPr kumimoji="1" lang="ja-JP" altLang="en-US" dirty="0"/>
+          </a:p>
+        </p:txBody>
+      </p:sp>
+      <p:sp>
+        <p:nvSpPr>
+          <p:cNvPr id="4" name="スライド番号プレースホルダー 3"/>
+          <p:cNvSpPr>
+            <a:spLocks noGrp="1"/>
+          </p:cNvSpPr>
+          <p:nvPr>
+            <p:ph type="sldNum" sz="quarter" idx="15"/>
+          </p:nvPr>
+        </p:nvSpPr>
+        <p:spPr/>
+        <p:txBody>
+          <a:bodyPr/>
+          <a:lstStyle/>
+          <a:p>
+            <a:fld id="{CB6FF75C-19E1-41C6-B89F-A224F87244FA}" type="slidenum">
+              <a:rPr lang="ja-JP" altLang="en-US" smtClean="0"/>
+              <a:pPr/>
+              <a:t>24</a:t>
+            </a:fld>
+            <a:endParaRPr lang="ja-JP" altLang="en-US"/>
+          </a:p>
+        </p:txBody>
+      </p:sp>
+      <p:sp>
+        <p:nvSpPr>
+          <p:cNvPr id="5" name="正方形/長方形 4"/>
+          <p:cNvSpPr/>
+          <p:nvPr/>
+        </p:nvSpPr>
+        <p:spPr>
+          <a:xfrm>
+            <a:off x="838200" y="1497206"/>
+            <a:ext cx="8989962" cy="584775"/>
+          </a:xfrm>
+          <a:prstGeom prst="rect">
+            <a:avLst/>
+          </a:prstGeom>
+        </p:spPr>
+        <p:txBody>
+          <a:bodyPr wrap="none">
+            <a:spAutoFit/>
+          </a:bodyPr>
+          <a:lstStyle/>
+          <a:p>
+            <a:r>
+              <a:rPr lang="ja-JP" altLang="en-US" sz="3200" dirty="0">
+                <a:solidFill>
+                  <a:srgbClr val="0070C0"/>
+                </a:solidFill>
+              </a:rPr>
+              <a:t>C:\IIIDEAaaS\</a:t>
+            </a:r>
+            <a:r>
+              <a:rPr lang="ja-JP" altLang="en-US" sz="3200" dirty="0" smtClean="0">
+                <a:solidFill>
+                  <a:srgbClr val="0070C0"/>
+                </a:solidFill>
+              </a:rPr>
+              <a:t>Environment</a:t>
+            </a:r>
+            <a:r>
+              <a:rPr lang="en-US" altLang="ja-JP" sz="3200" dirty="0">
+                <a:solidFill>
+                  <a:srgbClr val="0070C0"/>
+                </a:solidFill>
+              </a:rPr>
+              <a:t>¥CheckEnvironment.exe</a:t>
+            </a:r>
+            <a:endParaRPr lang="ja-JP" altLang="en-US" sz="3200" dirty="0">
+              <a:solidFill>
+                <a:srgbClr val="0070C0"/>
+              </a:solidFill>
+            </a:endParaRPr>
+          </a:p>
+        </p:txBody>
+      </p:sp>
+      <p:sp>
+        <p:nvSpPr>
+          <p:cNvPr id="6" name="正方形/長方形 5"/>
+          <p:cNvSpPr/>
+          <p:nvPr/>
+        </p:nvSpPr>
+        <p:spPr>
+          <a:xfrm>
+            <a:off x="864511" y="2081981"/>
+            <a:ext cx="8738290" cy="584775"/>
+          </a:xfrm>
+          <a:prstGeom prst="rect">
+            <a:avLst/>
+          </a:prstGeom>
+        </p:spPr>
+        <p:txBody>
+          <a:bodyPr wrap="none">
+            <a:spAutoFit/>
+          </a:bodyPr>
+          <a:lstStyle/>
+          <a:p>
+            <a:r>
+              <a:rPr lang="ja-JP" altLang="en-US" sz="3200" dirty="0" smtClean="0">
+                <a:solidFill>
+                  <a:srgbClr val="0070C0"/>
+                </a:solidFill>
+              </a:rPr>
+              <a:t>実行、</a:t>
+            </a:r>
+            <a:r>
+              <a:rPr lang="en-US" altLang="ja-JP" sz="3200" dirty="0" err="1" smtClean="0">
+                <a:solidFill>
+                  <a:srgbClr val="0070C0"/>
+                </a:solidFill>
+              </a:rPr>
+              <a:t>IIIDEAaaS</a:t>
+            </a:r>
+            <a:r>
+              <a:rPr lang="ja-JP" altLang="en-US" sz="3200" dirty="0" smtClean="0">
+                <a:solidFill>
+                  <a:srgbClr val="0070C0"/>
+                </a:solidFill>
+              </a:rPr>
+              <a:t>必要</a:t>
+            </a:r>
+            <a:r>
+              <a:rPr lang="ja-JP" altLang="en-US" sz="3200" dirty="0" smtClean="0">
+                <a:solidFill>
+                  <a:srgbClr val="0070C0"/>
+                </a:solidFill>
+              </a:rPr>
+              <a:t>な環境を確認＆構築します。</a:t>
+            </a:r>
+            <a:endParaRPr lang="ja-JP" altLang="en-US" sz="3200" dirty="0">
+              <a:solidFill>
+                <a:srgbClr val="0070C0"/>
+              </a:solidFill>
+            </a:endParaRPr>
+          </a:p>
+        </p:txBody>
+      </p:sp>
+      <p:pic>
+        <p:nvPicPr>
+          <p:cNvPr id="7" name="図 6"/>
+          <p:cNvPicPr>
+            <a:picLocks noChangeAspect="1"/>
+          </p:cNvPicPr>
+          <p:nvPr/>
+        </p:nvPicPr>
+        <p:blipFill>
+          <a:blip r:embed="rId2"/>
+          <a:stretch>
+            <a:fillRect/>
+          </a:stretch>
+        </p:blipFill>
+        <p:spPr>
+          <a:xfrm>
+            <a:off x="2624985" y="2764579"/>
+            <a:ext cx="6942030" cy="3630561"/>
+          </a:xfrm>
+          <a:prstGeom prst="rect">
+            <a:avLst/>
+          </a:prstGeom>
+        </p:spPr>
+      </p:pic>
+    </p:spTree>
+    <p:extLst>
+      <p:ext uri="{BB962C8B-B14F-4D97-AF65-F5344CB8AC3E}">
+        <p14:creationId xmlns:p14="http://schemas.microsoft.com/office/powerpoint/2010/main" val="1386156684"/>
+      </p:ext>
+    </p:extLst>
+  </p:cSld>
+  <p:clrMapOvr>
+    <a:masterClrMapping/>
+  </p:clrMapOvr>
+</p:sld>
+</file>
+
+<file path=ppt/slides/slide25.xml><?xml version="1.0" encoding="utf-8"?>
+<p:sld xmlns:a="http://schemas.openxmlformats.org/drawingml/2006/main" xmlns:r="http://schemas.openxmlformats.org/officeDocument/2006/relationships" xmlns:p="http://schemas.openxmlformats.org/presentationml/2006/main">
+  <p:cSld>
+    <p:spTree>
+      <p:nvGrpSpPr>
+        <p:cNvPr id="1" name=""/>
+        <p:cNvGrpSpPr/>
+        <p:nvPr/>
+      </p:nvGrpSpPr>
+      <p:grpSpPr>
+        <a:xfrm>
+          <a:off x="0" y="0"/>
+          <a:ext cx="0" cy="0"/>
+          <a:chOff x="0" y="0"/>
+          <a:chExt cx="0" cy="0"/>
+        </a:xfrm>
+      </p:grpSpPr>
+      <p:sp>
+        <p:nvSpPr>
+          <p:cNvPr id="2" name="タイトル 1"/>
+          <p:cNvSpPr>
+            <a:spLocks noGrp="1"/>
+          </p:cNvSpPr>
+          <p:nvPr>
+            <p:ph type="title"/>
+          </p:nvPr>
+        </p:nvSpPr>
+        <p:spPr/>
+        <p:txBody>
+          <a:bodyPr/>
+          <a:lstStyle/>
+          <a:p>
+            <a:r>
+              <a:rPr kumimoji="1" lang="en-US" altLang="ja-JP" dirty="0" err="1" smtClean="0"/>
+              <a:t>IIIDEAaaS</a:t>
+            </a:r>
+            <a:r>
+              <a:rPr kumimoji="1" lang="ja-JP" altLang="en-US" dirty="0" smtClean="0"/>
+              <a:t>の実行</a:t>
+            </a:r>
+            <a:endParaRPr kumimoji="1" lang="ja-JP" altLang="en-US" dirty="0"/>
+          </a:p>
+        </p:txBody>
+      </p:sp>
+      <p:sp>
+        <p:nvSpPr>
+          <p:cNvPr id="4" name="スライド番号プレースホルダー 3"/>
+          <p:cNvSpPr>
+            <a:spLocks noGrp="1"/>
+          </p:cNvSpPr>
+          <p:nvPr>
+            <p:ph type="sldNum" sz="quarter" idx="15"/>
+          </p:nvPr>
+        </p:nvSpPr>
+        <p:spPr/>
+        <p:txBody>
+          <a:bodyPr/>
+          <a:lstStyle/>
+          <a:p>
+            <a:fld id="{CB6FF75C-19E1-41C6-B89F-A224F87244FA}" type="slidenum">
+              <a:rPr lang="ja-JP" altLang="en-US" smtClean="0"/>
+              <a:pPr/>
+              <a:t>25</a:t>
+            </a:fld>
+            <a:endParaRPr lang="ja-JP" altLang="en-US"/>
+          </a:p>
+        </p:txBody>
+      </p:sp>
+      <p:sp>
+        <p:nvSpPr>
+          <p:cNvPr id="5" name="正方形/長方形 4"/>
+          <p:cNvSpPr/>
+          <p:nvPr/>
+        </p:nvSpPr>
+        <p:spPr>
+          <a:xfrm>
+            <a:off x="838200" y="1440607"/>
+            <a:ext cx="6888424" cy="1077218"/>
+          </a:xfrm>
+          <a:prstGeom prst="rect">
+            <a:avLst/>
+          </a:prstGeom>
+        </p:spPr>
+        <p:txBody>
+          <a:bodyPr wrap="none">
+            <a:spAutoFit/>
+          </a:bodyPr>
+          <a:lstStyle/>
+          <a:p>
+            <a:r>
+              <a:rPr lang="ja-JP" altLang="en-US" sz="3200" dirty="0" smtClean="0">
+                <a:solidFill>
+                  <a:srgbClr val="0070C0"/>
+                </a:solidFill>
+              </a:rPr>
+              <a:t>ディスクトップ上の</a:t>
+            </a:r>
+            <a:r>
+              <a:rPr lang="ja-JP" altLang="en-US" sz="3200" dirty="0">
+                <a:solidFill>
+                  <a:srgbClr val="0070C0"/>
+                </a:solidFill>
+              </a:rPr>
+              <a:t>「</a:t>
+            </a:r>
+            <a:r>
+              <a:rPr lang="en-US" altLang="ja-JP" sz="3200" dirty="0" err="1" smtClean="0">
+                <a:solidFill>
+                  <a:srgbClr val="0070C0"/>
+                </a:solidFill>
+              </a:rPr>
+              <a:t>IIIDEAaaS</a:t>
+            </a:r>
+            <a:r>
+              <a:rPr lang="ja-JP" altLang="en-US" sz="3200" dirty="0" smtClean="0">
+                <a:solidFill>
+                  <a:srgbClr val="0070C0"/>
+                </a:solidFill>
+              </a:rPr>
+              <a:t>」より実行</a:t>
+            </a:r>
+            <a:endParaRPr lang="en-US" altLang="ja-JP" sz="3200" dirty="0" smtClean="0">
+              <a:solidFill>
+                <a:srgbClr val="0070C0"/>
+              </a:solidFill>
+            </a:endParaRPr>
+          </a:p>
+          <a:p>
+            <a:endParaRPr lang="ja-JP" altLang="en-US" sz="3200" dirty="0">
+              <a:solidFill>
+                <a:srgbClr val="0070C0"/>
+              </a:solidFill>
+            </a:endParaRPr>
+          </a:p>
+        </p:txBody>
+      </p:sp>
+      <p:pic>
+        <p:nvPicPr>
+          <p:cNvPr id="3" name="図 2"/>
+          <p:cNvPicPr>
+            <a:picLocks noChangeAspect="1"/>
+          </p:cNvPicPr>
+          <p:nvPr/>
+        </p:nvPicPr>
+        <p:blipFill>
+          <a:blip r:embed="rId2"/>
+          <a:stretch>
+            <a:fillRect/>
+          </a:stretch>
+        </p:blipFill>
+        <p:spPr>
+          <a:xfrm>
+            <a:off x="461502" y="2671210"/>
+            <a:ext cx="2114550" cy="1695450"/>
+          </a:xfrm>
+          <a:prstGeom prst="rect">
+            <a:avLst/>
+          </a:prstGeom>
+        </p:spPr>
+      </p:pic>
+      <p:pic>
+        <p:nvPicPr>
+          <p:cNvPr id="8" name="図 7"/>
+          <p:cNvPicPr>
+            <a:picLocks noChangeAspect="1"/>
+          </p:cNvPicPr>
+          <p:nvPr/>
+        </p:nvPicPr>
+        <p:blipFill>
+          <a:blip r:embed="rId3"/>
+          <a:stretch>
+            <a:fillRect/>
+          </a:stretch>
+        </p:blipFill>
+        <p:spPr>
+          <a:xfrm>
+            <a:off x="3373699" y="2092414"/>
+            <a:ext cx="8705850" cy="4400550"/>
+          </a:xfrm>
+          <a:prstGeom prst="rect">
+            <a:avLst/>
+          </a:prstGeom>
+        </p:spPr>
+      </p:pic>
+      <p:sp>
+        <p:nvSpPr>
+          <p:cNvPr id="9" name="右矢印 8"/>
+          <p:cNvSpPr/>
+          <p:nvPr/>
+        </p:nvSpPr>
+        <p:spPr>
+          <a:xfrm>
+            <a:off x="2684824" y="3071011"/>
+            <a:ext cx="580103" cy="484632"/>
+          </a:xfrm>
+          <a:prstGeom prst="rightArrow">
+            <a:avLst/>
+          </a:prstGeom>
+          <a:solidFill>
+            <a:schemeClr val="bg1"/>
+          </a:solidFill>
+          <a:ln>
+            <a:solidFill>
+              <a:srgbClr val="00B0F0"/>
+            </a:solidFill>
+          </a:ln>
+        </p:spPr>
+        <p:style>
+          <a:lnRef idx="2">
+            <a:schemeClr val="accent1">
+              <a:shade val="50000"/>
+            </a:schemeClr>
+          </a:lnRef>
+          <a:fillRef idx="1">
+            <a:schemeClr val="accent1"/>
+          </a:fillRef>
+          <a:effectRef idx="0">
+            <a:schemeClr val="accent1"/>
+          </a:effectRef>
+          <a:fontRef idx="minor">
+            <a:schemeClr val="lt1"/>
+          </a:fontRef>
+        </p:style>
+        <p:txBody>
+          <a:bodyPr rtlCol="0" anchor="ctr"/>
+          <a:lstStyle/>
+          <a:p>
+            <a:pPr algn="ctr"/>
+            <a:endParaRPr kumimoji="1" lang="ja-JP" altLang="en-US"/>
+          </a:p>
+        </p:txBody>
+      </p:sp>
+    </p:spTree>
+    <p:extLst>
+      <p:ext uri="{BB962C8B-B14F-4D97-AF65-F5344CB8AC3E}">
+        <p14:creationId xmlns:p14="http://schemas.microsoft.com/office/powerpoint/2010/main" val="4089881061"/>
       </p:ext>
     </p:extLst>
   </p:cSld>
